--- a/FUNCTIONS Part2.pptx
+++ b/FUNCTIONS Part2.pptx
@@ -243,7 +243,7 @@
           <a:p>
             <a:fld id="{88477A24-0CD7-48AC-99D6-4616F7F24091}" type="datetimeFigureOut">
               <a:rPr lang="uk-UA" smtClean="0"/>
-              <a:t>16.05.2019</a:t>
+              <a:t>28.05.2019</a:t>
             </a:fld>
             <a:endParaRPr lang="uk-UA"/>
           </a:p>
@@ -11701,31 +11701,7 @@
                   </a:schemeClr>
                 </a:solidFill>
               </a:rPr>
-              <a:t>  console.log('x = ' + x);</a:t>
-            </a:r>
-          </a:p>
-          <a:p>
-            <a:r>
-              <a:rPr lang="en-US" dirty="0">
-                <a:solidFill>
-                  <a:schemeClr val="accent6">
-                    <a:lumMod val="75000"/>
-                  </a:schemeClr>
-                </a:solidFill>
-              </a:rPr>
               <a:t>  return function(y) {</a:t>
-            </a:r>
-          </a:p>
-          <a:p>
-            <a:r>
-              <a:rPr lang="en-US" dirty="0">
-                <a:solidFill>
-                  <a:schemeClr val="accent6">
-                    <a:lumMod val="75000"/>
-                  </a:schemeClr>
-                </a:solidFill>
-              </a:rPr>
-              <a:t>    console.log('y = ' + y);</a:t>
             </a:r>
           </a:p>
           <a:p>
@@ -17745,20 +17721,20 @@
 </file>
 
 <file path=customXml/item1.xml><?xml version="1.0" encoding="utf-8"?>
+<p:properties xmlns:p="http://schemas.microsoft.com/office/2006/metadata/properties" xmlns:xsi="http://www.w3.org/2001/XMLSchema-instance" xmlns:pc="http://schemas.microsoft.com/office/infopath/2007/PartnerControls">
+  <documentManagement>
+    <_x041a__x043e__x043c__x0435__x0442__x0430__x0440_ xmlns="835f28f2-30f1-4728-84d2-86d96e143488" xsi:nil="true"/>
+  </documentManagement>
+</p:properties>
+</file>
+
+<file path=customXml/item2.xml><?xml version="1.0" encoding="utf-8"?>
 <?mso-contentType ?>
 <FormTemplates xmlns="http://schemas.microsoft.com/sharepoint/v3/contenttype/forms">
   <Display>DocumentLibraryForm</Display>
   <Edit>DocumentLibraryForm</Edit>
   <New>DocumentLibraryForm</New>
 </FormTemplates>
-</file>
-
-<file path=customXml/item2.xml><?xml version="1.0" encoding="utf-8"?>
-<p:properties xmlns:p="http://schemas.microsoft.com/office/2006/metadata/properties" xmlns:xsi="http://www.w3.org/2001/XMLSchema-instance" xmlns:pc="http://schemas.microsoft.com/office/infopath/2007/PartnerControls">
-  <documentManagement>
-    <_x041a__x043e__x043c__x0435__x0442__x0430__x0440_ xmlns="835f28f2-30f1-4728-84d2-86d96e143488" xsi:nil="true"/>
-  </documentManagement>
-</p:properties>
 </file>
 
 <file path=customXml/item3.xml><?xml version="1.0" encoding="utf-8"?>
@@ -17961,14 +17937,6 @@
 </file>
 
 <file path=customXml/itemProps1.xml><?xml version="1.0" encoding="utf-8"?>
-<ds:datastoreItem xmlns:ds="http://schemas.openxmlformats.org/officeDocument/2006/customXml" ds:itemID="{296B3B9E-03D8-4766-BF45-6129617CF026}">
-  <ds:schemaRefs>
-    <ds:schemaRef ds:uri="http://schemas.microsoft.com/sharepoint/v3/contenttype/forms"/>
-  </ds:schemaRefs>
-</ds:datastoreItem>
-</file>
-
-<file path=customXml/itemProps2.xml><?xml version="1.0" encoding="utf-8"?>
 <ds:datastoreItem xmlns:ds="http://schemas.openxmlformats.org/officeDocument/2006/customXml" ds:itemID="{B3A1340B-3A1B-4156-ADE3-51DF6C2C795D}">
   <ds:schemaRefs>
     <ds:schemaRef ds:uri="http://schemas.microsoft.com/office/infopath/2007/PartnerControls"/>
@@ -17981,6 +17949,14 @@
     <ds:schemaRef ds:uri="341e6018-ac0a-4dfb-8409-db9e0d25502e"/>
     <ds:schemaRef ds:uri="http://www.w3.org/XML/1998/namespace"/>
     <ds:schemaRef ds:uri="http://purl.org/dc/elements/1.1/"/>
+  </ds:schemaRefs>
+</ds:datastoreItem>
+</file>
+
+<file path=customXml/itemProps2.xml><?xml version="1.0" encoding="utf-8"?>
+<ds:datastoreItem xmlns:ds="http://schemas.openxmlformats.org/officeDocument/2006/customXml" ds:itemID="{296B3B9E-03D8-4766-BF45-6129617CF026}">
+  <ds:schemaRefs>
+    <ds:schemaRef ds:uri="http://schemas.microsoft.com/sharepoint/v3/contenttype/forms"/>
   </ds:schemaRefs>
 </ds:datastoreItem>
 </file>
